--- a/econ-210a-2021-04-01-background-slow-ideas-growth.pptx
+++ b/econ-210a-2021-04-01-background-slow-ideas-growth.pptx
@@ -7712,7 +7712,7 @@
       </p:pic>
       <p:sp>
         <p:nvSpPr>
-          <p:cNvPr id="310" name="2021-04-07: Lecture Background for Next Class: On the Shifting Pace of Growth of Technological &amp; Organizational Knowledge"/>
+          <p:cNvPr id="310" name="Lecture Background for 2021-04-07: Why Did the Pace of Ideas Growth Use to Be So Slow? &amp; How Fast Is It Now, Really?"/>
           <p:cNvSpPr txBox="1"/>
           <p:nvPr>
             <p:ph type="title"/>
@@ -7749,7 +7749,7 @@
           <a:p>
             <a:pPr/>
             <a:r>
-              <a:t>2021-04-07: Lecture Background for Next Class: On the Shifting Pace of Growth of Technological &amp; Organizational Knowledge</a:t>
+              <a:t>Lecture Background for 2021-04-07: Why Did the Pace of Ideas Growth Use to Be So Slow? &amp; How Fast Is It Now, Really?</a:t>
             </a:r>
           </a:p>
         </p:txBody>
@@ -8276,14 +8276,14 @@
       </p:sp>
       <p:sp>
         <p:nvSpPr>
-          <p:cNvPr id="313" name="2:40-3:00"/>
+          <p:cNvPr id="313" name="&lt;https://www.icloud.com/keynote/08vSAzKv95qbedf-j_DFYvzAA&gt; &lt;https://github.com/braddelong/public-files/blob/master/econ-210a-2021-04-01-background-slow-ideas-growth.pptx&gt; 2021-04-01"/>
           <p:cNvSpPr txBox="1"/>
           <p:nvPr/>
         </p:nvSpPr>
         <p:spPr>
           <a:xfrm>
-            <a:off x="21956762" y="13068300"/>
-            <a:ext cx="2046238" cy="647701"/>
+            <a:off x="380999" y="13385800"/>
+            <a:ext cx="23622001" cy="330201"/>
           </a:xfrm>
           <a:prstGeom prst="rect">
             <a:avLst/>
@@ -8298,22 +8298,38 @@
           </a:extLst>
         </p:spPr>
         <p:txBody>
-          <a:bodyPr wrap="none" lIns="50800" tIns="50800" rIns="50800" bIns="50800" anchor="ctr">
+          <a:bodyPr lIns="50800" tIns="50800" rIns="50800" bIns="50800" anchor="ctr">
             <a:spAutoFit/>
           </a:bodyPr>
-          <a:lstStyle>
-            <a:lvl1pPr algn="l" defTabSz="457200">
-              <a:defRPr sz="3600">
+          <a:lstStyle/>
+          <a:p>
+            <a:pPr algn="r" defTabSz="457200">
+              <a:defRPr sz="1500">
                 <a:solidFill>
                   <a:srgbClr val="231C33"/>
                 </a:solidFill>
               </a:defRPr>
-            </a:lvl1pPr>
-          </a:lstStyle>
-          <a:p>
-            <a:pPr/>
-            <a:r>
-              <a:t>2:40-3:00</a:t>
+            </a:pPr>
+            <a:r>
+              <a:t>&lt;</a:t>
+            </a:r>
+            <a:r>
+              <a:rPr u="sng">
+                <a:hlinkClick r:id="rId8" invalidUrl="" action="" tgtFrame="" tooltip="" history="1" highlightClick="0" endSnd="0"/>
+              </a:rPr>
+              <a:t>https://www.icloud.com/keynote/08vSAzKv95qbedf-j_DFYvzAA</a:t>
+            </a:r>
+            <a:r>
+              <a:t>&gt; &lt;</a:t>
+            </a:r>
+            <a:r>
+              <a:rPr u="sng">
+                <a:hlinkClick r:id="rId9" invalidUrl="" action="" tgtFrame="" tooltip="" history="1" highlightClick="0" endSnd="0"/>
+              </a:rPr>
+              <a:t>https://github.com/braddelong/public-files/blob/master/econ-210a-2021-04-01-background-slow-ideas-growth.pptx</a:t>
+            </a:r>
+            <a:r>
+              <a:t>&gt; 2021-04-01</a:t>
             </a:r>
           </a:p>
         </p:txBody>
@@ -8327,7 +8343,7 @@
           <p:nvPr/>
         </p:nvPicPr>
         <p:blipFill>
-          <a:blip r:embed="rId8">
+          <a:blip r:embed="rId10">
             <a:extLst/>
           </a:blip>
           <a:stretch>
@@ -9160,8 +9176,8 @@
         </p:nvSpPr>
         <p:spPr>
           <a:xfrm>
-            <a:off x="9725141" y="5855805"/>
-            <a:ext cx="1941598" cy="7400393"/>
+            <a:off x="9725142" y="5855805"/>
+            <a:ext cx="1941597" cy="7400393"/>
           </a:xfrm>
           <a:prstGeom prst="ellipse">
             <a:avLst/>
